--- a/test/fixtures/billFill.srcRect.pptx
+++ b/test/fixtures/billFill.srcRect.pptx
@@ -3560,7 +3560,7 @@
       </p:sp>
       <p:pic>
         <p:nvPicPr>
-          <p:cNvPr id="3" name="图片 2" descr="3705199"/>
+          <p:cNvPr id="6" name="图片 5" descr="example"/>
           <p:cNvPicPr>
             <a:picLocks noChangeAspect="1"/>
           </p:cNvPicPr>
@@ -3568,15 +3568,15 @@
         </p:nvPicPr>
         <p:blipFill>
           <a:blip r:embed="rId1"/>
-          <a:srcRect l="48609" t="41793" r="-48609" b="-41793"/>
+          <a:srcRect l="49974" r="-49974"/>
           <a:stretch>
             <a:fillRect/>
           </a:stretch>
         </p:blipFill>
         <p:spPr>
           <a:xfrm>
-            <a:off x="3175000" y="508000"/>
-            <a:ext cx="5842000" cy="5842000"/>
+            <a:off x="2667000" y="0"/>
+            <a:ext cx="6858000" cy="6858000"/>
           </a:xfrm>
           <a:prstGeom prst="rect">
             <a:avLst/>
